--- a/20231011/페르소나 샘플 여자-이승빈-2023-10-11.pptx
+++ b/20231011/페르소나 샘플 여자-이승빈-2023-10-11.pptx
@@ -243,7 +243,7 @@
           <a:p>
             <a:fld id="{002111CF-0B39-4292-98BE-61C033140BB5}" type="datetimeFigureOut">
               <a:rPr lang="ko-KR" altLang="en-US" smtClean="0"/>
-              <a:t>2023-10-11</a:t>
+              <a:t>2023-10-12</a:t>
             </a:fld>
             <a:endParaRPr lang="ko-KR" altLang="en-US"/>
           </a:p>
@@ -413,7 +413,7 @@
           <a:p>
             <a:fld id="{002111CF-0B39-4292-98BE-61C033140BB5}" type="datetimeFigureOut">
               <a:rPr lang="ko-KR" altLang="en-US" smtClean="0"/>
-              <a:t>2023-10-11</a:t>
+              <a:t>2023-10-12</a:t>
             </a:fld>
             <a:endParaRPr lang="ko-KR" altLang="en-US"/>
           </a:p>
@@ -593,7 +593,7 @@
           <a:p>
             <a:fld id="{002111CF-0B39-4292-98BE-61C033140BB5}" type="datetimeFigureOut">
               <a:rPr lang="ko-KR" altLang="en-US" smtClean="0"/>
-              <a:t>2023-10-11</a:t>
+              <a:t>2023-10-12</a:t>
             </a:fld>
             <a:endParaRPr lang="ko-KR" altLang="en-US"/>
           </a:p>
@@ -763,7 +763,7 @@
           <a:p>
             <a:fld id="{002111CF-0B39-4292-98BE-61C033140BB5}" type="datetimeFigureOut">
               <a:rPr lang="ko-KR" altLang="en-US" smtClean="0"/>
-              <a:t>2023-10-11</a:t>
+              <a:t>2023-10-12</a:t>
             </a:fld>
             <a:endParaRPr lang="ko-KR" altLang="en-US"/>
           </a:p>
@@ -1009,7 +1009,7 @@
           <a:p>
             <a:fld id="{002111CF-0B39-4292-98BE-61C033140BB5}" type="datetimeFigureOut">
               <a:rPr lang="ko-KR" altLang="en-US" smtClean="0"/>
-              <a:t>2023-10-11</a:t>
+              <a:t>2023-10-12</a:t>
             </a:fld>
             <a:endParaRPr lang="ko-KR" altLang="en-US"/>
           </a:p>
@@ -1241,7 +1241,7 @@
           <a:p>
             <a:fld id="{002111CF-0B39-4292-98BE-61C033140BB5}" type="datetimeFigureOut">
               <a:rPr lang="ko-KR" altLang="en-US" smtClean="0"/>
-              <a:t>2023-10-11</a:t>
+              <a:t>2023-10-12</a:t>
             </a:fld>
             <a:endParaRPr lang="ko-KR" altLang="en-US"/>
           </a:p>
@@ -1608,7 +1608,7 @@
           <a:p>
             <a:fld id="{002111CF-0B39-4292-98BE-61C033140BB5}" type="datetimeFigureOut">
               <a:rPr lang="ko-KR" altLang="en-US" smtClean="0"/>
-              <a:t>2023-10-11</a:t>
+              <a:t>2023-10-12</a:t>
             </a:fld>
             <a:endParaRPr lang="ko-KR" altLang="en-US"/>
           </a:p>
@@ -1726,7 +1726,7 @@
           <a:p>
             <a:fld id="{002111CF-0B39-4292-98BE-61C033140BB5}" type="datetimeFigureOut">
               <a:rPr lang="ko-KR" altLang="en-US" smtClean="0"/>
-              <a:t>2023-10-11</a:t>
+              <a:t>2023-10-12</a:t>
             </a:fld>
             <a:endParaRPr lang="ko-KR" altLang="en-US"/>
           </a:p>
@@ -1821,7 +1821,7 @@
           <a:p>
             <a:fld id="{002111CF-0B39-4292-98BE-61C033140BB5}" type="datetimeFigureOut">
               <a:rPr lang="ko-KR" altLang="en-US" smtClean="0"/>
-              <a:t>2023-10-11</a:t>
+              <a:t>2023-10-12</a:t>
             </a:fld>
             <a:endParaRPr lang="ko-KR" altLang="en-US"/>
           </a:p>
@@ -2098,7 +2098,7 @@
           <a:p>
             <a:fld id="{002111CF-0B39-4292-98BE-61C033140BB5}" type="datetimeFigureOut">
               <a:rPr lang="ko-KR" altLang="en-US" smtClean="0"/>
-              <a:t>2023-10-11</a:t>
+              <a:t>2023-10-12</a:t>
             </a:fld>
             <a:endParaRPr lang="ko-KR" altLang="en-US"/>
           </a:p>
@@ -2351,7 +2351,7 @@
           <a:p>
             <a:fld id="{002111CF-0B39-4292-98BE-61C033140BB5}" type="datetimeFigureOut">
               <a:rPr lang="ko-KR" altLang="en-US" smtClean="0"/>
-              <a:t>2023-10-11</a:t>
+              <a:t>2023-10-12</a:t>
             </a:fld>
             <a:endParaRPr lang="ko-KR" altLang="en-US"/>
           </a:p>
@@ -2564,7 +2564,7 @@
           <a:p>
             <a:fld id="{002111CF-0B39-4292-98BE-61C033140BB5}" type="datetimeFigureOut">
               <a:rPr lang="ko-KR" altLang="en-US" smtClean="0"/>
-              <a:t>2023-10-11</a:t>
+              <a:t>2023-10-12</a:t>
             </a:fld>
             <a:endParaRPr lang="ko-KR" altLang="en-US"/>
           </a:p>
@@ -3017,6 +3017,30 @@
                 </a:solidFill>
               </a:rPr>
               <a:t>안지윤</a:t>
+            </a:r>
+            <a:r>
+              <a:rPr lang="en-US" altLang="ko-KR" dirty="0" smtClean="0">
+                <a:solidFill>
+                  <a:srgbClr val="99FFCC"/>
+                </a:solidFill>
+              </a:rPr>
+              <a:t>(</a:t>
+            </a:r>
+            <a:r>
+              <a:rPr lang="ko-KR" altLang="en-US" dirty="0" smtClean="0">
+                <a:solidFill>
+                  <a:srgbClr val="99FFCC"/>
+                </a:solidFill>
+              </a:rPr>
+              <a:t>페르소나</a:t>
+            </a:r>
+            <a:r>
+              <a:rPr lang="en-US" altLang="ko-KR" smtClean="0">
+                <a:solidFill>
+                  <a:srgbClr val="99FFCC"/>
+                </a:solidFill>
+              </a:rPr>
+              <a:t>)</a:t>
             </a:r>
             <a:endParaRPr lang="ko-KR" altLang="en-US" dirty="0">
               <a:solidFill>

--- a/20231011/페르소나 샘플 여자-이승빈-2023-10-11.pptx
+++ b/20231011/페르소나 샘플 여자-이승빈-2023-10-11.pptx
@@ -243,7 +243,7 @@
           <a:p>
             <a:fld id="{002111CF-0B39-4292-98BE-61C033140BB5}" type="datetimeFigureOut">
               <a:rPr lang="ko-KR" altLang="en-US" smtClean="0"/>
-              <a:t>2023-10-12</a:t>
+              <a:t>2023-10-13</a:t>
             </a:fld>
             <a:endParaRPr lang="ko-KR" altLang="en-US"/>
           </a:p>
@@ -413,7 +413,7 @@
           <a:p>
             <a:fld id="{002111CF-0B39-4292-98BE-61C033140BB5}" type="datetimeFigureOut">
               <a:rPr lang="ko-KR" altLang="en-US" smtClean="0"/>
-              <a:t>2023-10-12</a:t>
+              <a:t>2023-10-13</a:t>
             </a:fld>
             <a:endParaRPr lang="ko-KR" altLang="en-US"/>
           </a:p>
@@ -593,7 +593,7 @@
           <a:p>
             <a:fld id="{002111CF-0B39-4292-98BE-61C033140BB5}" type="datetimeFigureOut">
               <a:rPr lang="ko-KR" altLang="en-US" smtClean="0"/>
-              <a:t>2023-10-12</a:t>
+              <a:t>2023-10-13</a:t>
             </a:fld>
             <a:endParaRPr lang="ko-KR" altLang="en-US"/>
           </a:p>
@@ -763,7 +763,7 @@
           <a:p>
             <a:fld id="{002111CF-0B39-4292-98BE-61C033140BB5}" type="datetimeFigureOut">
               <a:rPr lang="ko-KR" altLang="en-US" smtClean="0"/>
-              <a:t>2023-10-12</a:t>
+              <a:t>2023-10-13</a:t>
             </a:fld>
             <a:endParaRPr lang="ko-KR" altLang="en-US"/>
           </a:p>
@@ -1009,7 +1009,7 @@
           <a:p>
             <a:fld id="{002111CF-0B39-4292-98BE-61C033140BB5}" type="datetimeFigureOut">
               <a:rPr lang="ko-KR" altLang="en-US" smtClean="0"/>
-              <a:t>2023-10-12</a:t>
+              <a:t>2023-10-13</a:t>
             </a:fld>
             <a:endParaRPr lang="ko-KR" altLang="en-US"/>
           </a:p>
@@ -1241,7 +1241,7 @@
           <a:p>
             <a:fld id="{002111CF-0B39-4292-98BE-61C033140BB5}" type="datetimeFigureOut">
               <a:rPr lang="ko-KR" altLang="en-US" smtClean="0"/>
-              <a:t>2023-10-12</a:t>
+              <a:t>2023-10-13</a:t>
             </a:fld>
             <a:endParaRPr lang="ko-KR" altLang="en-US"/>
           </a:p>
@@ -1608,7 +1608,7 @@
           <a:p>
             <a:fld id="{002111CF-0B39-4292-98BE-61C033140BB5}" type="datetimeFigureOut">
               <a:rPr lang="ko-KR" altLang="en-US" smtClean="0"/>
-              <a:t>2023-10-12</a:t>
+              <a:t>2023-10-13</a:t>
             </a:fld>
             <a:endParaRPr lang="ko-KR" altLang="en-US"/>
           </a:p>
@@ -1726,7 +1726,7 @@
           <a:p>
             <a:fld id="{002111CF-0B39-4292-98BE-61C033140BB5}" type="datetimeFigureOut">
               <a:rPr lang="ko-KR" altLang="en-US" smtClean="0"/>
-              <a:t>2023-10-12</a:t>
+              <a:t>2023-10-13</a:t>
             </a:fld>
             <a:endParaRPr lang="ko-KR" altLang="en-US"/>
           </a:p>
@@ -1821,7 +1821,7 @@
           <a:p>
             <a:fld id="{002111CF-0B39-4292-98BE-61C033140BB5}" type="datetimeFigureOut">
               <a:rPr lang="ko-KR" altLang="en-US" smtClean="0"/>
-              <a:t>2023-10-12</a:t>
+              <a:t>2023-10-13</a:t>
             </a:fld>
             <a:endParaRPr lang="ko-KR" altLang="en-US"/>
           </a:p>
@@ -2098,7 +2098,7 @@
           <a:p>
             <a:fld id="{002111CF-0B39-4292-98BE-61C033140BB5}" type="datetimeFigureOut">
               <a:rPr lang="ko-KR" altLang="en-US" smtClean="0"/>
-              <a:t>2023-10-12</a:t>
+              <a:t>2023-10-13</a:t>
             </a:fld>
             <a:endParaRPr lang="ko-KR" altLang="en-US"/>
           </a:p>
@@ -2351,7 +2351,7 @@
           <a:p>
             <a:fld id="{002111CF-0B39-4292-98BE-61C033140BB5}" type="datetimeFigureOut">
               <a:rPr lang="ko-KR" altLang="en-US" smtClean="0"/>
-              <a:t>2023-10-12</a:t>
+              <a:t>2023-10-13</a:t>
             </a:fld>
             <a:endParaRPr lang="ko-KR" altLang="en-US"/>
           </a:p>
@@ -2564,7 +2564,7 @@
           <a:p>
             <a:fld id="{002111CF-0B39-4292-98BE-61C033140BB5}" type="datetimeFigureOut">
               <a:rPr lang="ko-KR" altLang="en-US" smtClean="0"/>
-              <a:t>2023-10-12</a:t>
+              <a:t>2023-10-13</a:t>
             </a:fld>
             <a:endParaRPr lang="ko-KR" altLang="en-US"/>
           </a:p>
